--- a/Economic Algorithms/EX8/אלגוריתמים מגלי אמת.pptx
+++ b/Economic Algorithms/EX8/אלגוריתמים מגלי אמת.pptx
@@ -12431,7 +12431,15 @@
             <a:pPr algn="r" rtl="1"/>
             <a:r>
               <a:rPr lang="he-IL" dirty="0"/>
-              <a:t>נניח שאדם א' מציע על חפץ מס' 1 - 10 ועל חפץ מס' 2 - 5. ואילו אדם ב' מציע על חפץ מס' 1 – 5 וחפץ מס' 2 – 3, אנו רואים ששני האנשים מעדיפים לקבל את חפץ מס' 1 (שניהם הציעו יותר על חפץ מס' 1) אך חפץ מס' 2 ינתן לאדם א' וחפץ מס' 2 ינתן לאדם ב'.</a:t>
+              <a:t>נניח שאדם א' מציע על חפץ מס' 1 - 10 ועל חפץ מס' 2 - 5. ואילו אדם ב' מציע על חפץ מס' 1 – 5 וחפץ מס' 2 – 3, אנו רואים ששני האנשים מעדיפים לקבל את חפץ מס' 1 (שניהם הציעו יותר על חפץ מס' 1) אך </a:t>
+            </a:r>
+            <a:r>
+              <a:rPr lang="he-IL"/>
+              <a:t>חפץ מס' 1 </a:t>
+            </a:r>
+            <a:r>
+              <a:rPr lang="he-IL" dirty="0"/>
+              <a:t>ינתן לאדם א' וחפץ מס' 2 ינתן לאדם ב'.</a:t>
             </a:r>
           </a:p>
           <a:p>
@@ -13860,15 +13868,6 @@
 </file>
 
 <file path=customXml/item2.xml><?xml version="1.0" encoding="utf-8"?>
-<?mso-contentType ?>
-<FormTemplates xmlns="http://schemas.microsoft.com/sharepoint/v3/contenttype/forms">
-  <Display>DocumentLibraryForm</Display>
-  <Edit>DocumentLibraryForm</Edit>
-  <New>DocumentLibraryForm</New>
-</FormTemplates>
-</file>
-
-<file path=customXml/item3.xml><?xml version="1.0" encoding="utf-8"?>
 <ct:contentTypeSchema xmlns:ct="http://schemas.microsoft.com/office/2006/metadata/contentType" xmlns:ma="http://schemas.microsoft.com/office/2006/metadata/properties/metaAttributes" ct:_="" ma:_="" ma:contentTypeName="Document" ma:contentTypeID="0x01010079F111ED35F8CC479449609E8A0923A6" ma:contentTypeVersion="12" ma:contentTypeDescription="Create a new document." ma:contentTypeScope="" ma:versionID="426e97fa315356fffbdcd9876fe988c2">
   <xsd:schema xmlns:xsd="http://www.w3.org/2001/XMLSchema" xmlns:xs="http://www.w3.org/2001/XMLSchema" xmlns:p="http://schemas.microsoft.com/office/2006/metadata/properties" xmlns:ns2="71af3243-3dd4-4a8d-8c0d-dd76da1f02a5" xmlns:ns3="16c05727-aa75-4e4a-9b5f-8a80a1165891" targetNamespace="http://schemas.microsoft.com/office/2006/metadata/properties" ma:root="true" ma:fieldsID="14b8f0def80e6d70ce3def20c90759ae" ns2:_="" ns3:_="">
     <xsd:import namespace="71af3243-3dd4-4a8d-8c0d-dd76da1f02a5"/>
@@ -14089,6 +14088,15 @@
 </ct:contentTypeSchema>
 </file>
 
+<file path=customXml/item3.xml><?xml version="1.0" encoding="utf-8"?>
+<?mso-contentType ?>
+<FormTemplates xmlns="http://schemas.microsoft.com/sharepoint/v3/contenttype/forms">
+  <Display>DocumentLibraryForm</Display>
+  <Edit>DocumentLibraryForm</Edit>
+  <New>DocumentLibraryForm</New>
+</FormTemplates>
+</file>
+
 <file path=customXml/itemProps1.xml><?xml version="1.0" encoding="utf-8"?>
 <ds:datastoreItem xmlns:ds="http://schemas.openxmlformats.org/officeDocument/2006/customXml" ds:itemID="{FBDEF148-1770-458F-8F5B-C3D0A278AA97}">
   <ds:schemaRefs>
@@ -14100,14 +14108,6 @@
 </file>
 
 <file path=customXml/itemProps2.xml><?xml version="1.0" encoding="utf-8"?>
-<ds:datastoreItem xmlns:ds="http://schemas.openxmlformats.org/officeDocument/2006/customXml" ds:itemID="{1A449C04-64B3-4403-94B7-8D2284C38D1B}">
-  <ds:schemaRefs>
-    <ds:schemaRef ds:uri="http://schemas.microsoft.com/sharepoint/v3/contenttype/forms"/>
-  </ds:schemaRefs>
-</ds:datastoreItem>
-</file>
-
-<file path=customXml/itemProps3.xml><?xml version="1.0" encoding="utf-8"?>
 <ds:datastoreItem xmlns:ds="http://schemas.openxmlformats.org/officeDocument/2006/customXml" ds:itemID="{8413533D-8C39-401E-8B75-B1AEEEC56B93}">
   <ds:schemaRefs>
     <ds:schemaRef ds:uri="http://schemas.microsoft.com/office/2006/metadata/contentType"/>
@@ -14124,4 +14124,12 @@
     <ds:schemaRef ds:uri="http://schemas.microsoft.com/internal/obd"/>
   </ds:schemaRefs>
 </ds:datastoreItem>
+</file>
+
+<file path=customXml/itemProps3.xml><?xml version="1.0" encoding="utf-8"?>
+<ds:datastoreItem xmlns:ds="http://schemas.openxmlformats.org/officeDocument/2006/customXml" ds:itemID="{1A449C04-64B3-4403-94B7-8D2284C38D1B}">
+  <ds:schemaRefs>
+    <ds:schemaRef ds:uri="http://schemas.microsoft.com/sharepoint/v3/contenttype/forms"/>
+  </ds:schemaRefs>
+</ds:datastoreItem>
 </file>